--- a/2021-04-12to04-16 (A5) C53517 SoftMARS/21_15v01_MarsBaseAlpha_PreliminaryFindings.pptx
+++ b/2021-04-12to04-16 (A5) C53517 SoftMARS/21_15v01_MarsBaseAlpha_PreliminaryFindings.pptx
@@ -269,7 +269,7 @@
           <a:p>
             <a:fld id="{F319E496-E8FF-4856-B08F-DBE14D18B236}" type="datetimeFigureOut">
               <a:rPr lang="en-US" smtClean="0"/>
-              <a:t>1/21/2022</a:t>
+              <a:t>1/29/2022</a:t>
             </a:fld>
             <a:endParaRPr lang="en-US"/>
           </a:p>
@@ -446,7 +446,7 @@
           <a:p>
             <a:fld id="{4572F63B-EF0F-9942-98B2-F67CC88AF236}" type="datetimeFigureOut">
               <a:rPr lang="en-US" smtClean="0"/>
-              <a:t>1/21/2022</a:t>
+              <a:t>1/29/2022</a:t>
             </a:fld>
             <a:endParaRPr lang="en-US"/>
           </a:p>
@@ -1823,7 +1823,7 @@
               </a14:hiddenLine>
             </a:ext>
             <a:ext uri="{FAA26D3D-D897-4be2-8F04-BA451C77F1D7}">
-              <ma14:placeholderFlag xmlns="" xmlns:ma14="http://schemas.microsoft.com/office/mac/drawingml/2011/main" val="1"/>
+              <ma14:placeholderFlag xmlns:ma14="http://schemas.microsoft.com/office/mac/drawingml/2011/main" xmlns="" val="1"/>
             </a:ext>
           </a:extLst>
         </p:spPr>
@@ -1842,6 +1842,90 @@
     <p:extLst>
       <p:ext uri="{BB962C8B-B14F-4D97-AF65-F5344CB8AC3E}">
         <p14:creationId xmlns:p14="http://schemas.microsoft.com/office/powerpoint/2010/main" val="355928589"/>
+      </p:ext>
+    </p:extLst>
+  </p:cSld>
+  <p:clrMapOvr>
+    <a:masterClrMapping/>
+  </p:clrMapOvr>
+</p:notes>
+</file>
+
+<file path=ppt/notesSlides/notesSlide8.xml><?xml version="1.0" encoding="utf-8"?>
+<p:notes xmlns:a="http://schemas.openxmlformats.org/drawingml/2006/main" xmlns:r="http://schemas.openxmlformats.org/officeDocument/2006/relationships" xmlns:p="http://schemas.openxmlformats.org/presentationml/2006/main">
+  <p:cSld>
+    <p:spTree>
+      <p:nvGrpSpPr>
+        <p:cNvPr id="1" name=""/>
+        <p:cNvGrpSpPr/>
+        <p:nvPr/>
+      </p:nvGrpSpPr>
+      <p:grpSpPr>
+        <a:xfrm>
+          <a:off x="0" y="0"/>
+          <a:ext cx="0" cy="0"/>
+          <a:chOff x="0" y="0"/>
+          <a:chExt cx="0" cy="0"/>
+        </a:xfrm>
+      </p:grpSpPr>
+      <p:sp>
+        <p:nvSpPr>
+          <p:cNvPr id="2" name="Slide Image Placeholder 1"/>
+          <p:cNvSpPr>
+            <a:spLocks noGrp="1" noRot="1" noChangeAspect="1"/>
+          </p:cNvSpPr>
+          <p:nvPr>
+            <p:ph type="sldImg"/>
+          </p:nvPr>
+        </p:nvSpPr>
+        <p:spPr/>
+      </p:sp>
+      <p:sp>
+        <p:nvSpPr>
+          <p:cNvPr id="3" name="Notes Placeholder 2"/>
+          <p:cNvSpPr>
+            <a:spLocks noGrp="1"/>
+          </p:cNvSpPr>
+          <p:nvPr>
+            <p:ph type="body" idx="1"/>
+          </p:nvPr>
+        </p:nvSpPr>
+        <p:spPr/>
+        <p:txBody>
+          <a:bodyPr/>
+          <a:lstStyle/>
+          <a:p>
+            <a:endParaRPr lang="en-ZA" dirty="0"/>
+          </a:p>
+        </p:txBody>
+      </p:sp>
+      <p:sp>
+        <p:nvSpPr>
+          <p:cNvPr id="4" name="Slide Number Placeholder 3"/>
+          <p:cNvSpPr>
+            <a:spLocks noGrp="1"/>
+          </p:cNvSpPr>
+          <p:nvPr>
+            <p:ph type="sldNum" sz="quarter" idx="5"/>
+          </p:nvPr>
+        </p:nvSpPr>
+        <p:spPr/>
+        <p:txBody>
+          <a:bodyPr/>
+          <a:lstStyle/>
+          <a:p>
+            <a:fld id="{3FC13DA5-2DE0-6D49-B0F1-8E4B6A1CBA23}" type="slidenum">
+              <a:rPr lang="en-US" smtClean="0"/>
+              <a:t>32</a:t>
+            </a:fld>
+            <a:endParaRPr lang="en-US"/>
+          </a:p>
+        </p:txBody>
+      </p:sp>
+    </p:spTree>
+    <p:extLst>
+      <p:ext uri="{BB962C8B-B14F-4D97-AF65-F5344CB8AC3E}">
+        <p14:creationId xmlns:p14="http://schemas.microsoft.com/office/powerpoint/2010/main" val="3896035997"/>
       </p:ext>
     </p:extLst>
   </p:cSld>
@@ -4601,14 +4685,14 @@
           </a:ln>
           <a:extLst>
             <a:ext uri="{909E8E84-426E-40dd-AFC4-6F175D3DCCD1}">
-              <a14:hiddenFill xmlns:a14="http://schemas.microsoft.com/office/drawing/2010/main" xmlns="">
+              <a14:hiddenFill xmlns="" xmlns:a14="http://schemas.microsoft.com/office/drawing/2010/main">
                 <a:solidFill>
                   <a:schemeClr val="accent1"/>
                 </a:solidFill>
               </a14:hiddenFill>
             </a:ext>
             <a:ext uri="{91240B29-F687-4f45-9708-019B960494DF}">
-              <a14:hiddenLine xmlns:a14="http://schemas.microsoft.com/office/drawing/2010/main" xmlns="" w="9525">
+              <a14:hiddenLine xmlns="" xmlns:a14="http://schemas.microsoft.com/office/drawing/2010/main" w="9525">
                 <a:solidFill>
                   <a:schemeClr val="tx1"/>
                 </a:solidFill>
@@ -5105,7 +5189,7 @@
           <a:graphicData uri="http://schemas.openxmlformats.org/presentationml/2006/ole">
             <mc:AlternateContent xmlns:mc="http://schemas.openxmlformats.org/markup-compatibility/2006">
               <mc:Choice xmlns:v="urn:schemas-microsoft-com:vml" Requires="v">
-                <p:oleObj spid="_x0000_s2068" name="Macro-Enabled Worksheet" r:id="rId3" imgW="5196769" imgH="2933810" progId="Excel.SheetMacroEnabled.12">
+                <p:oleObj spid="_x0000_s2074" name="Macro-Enabled Worksheet" r:id="rId3" imgW="5196769" imgH="2933810" progId="Excel.SheetMacroEnabled.12">
                   <p:link updateAutomatic="1"/>
                 </p:oleObj>
               </mc:Choice>
@@ -5174,7 +5258,7 @@
           <a:graphicData uri="http://schemas.openxmlformats.org/presentationml/2006/ole">
             <mc:AlternateContent xmlns:mc="http://schemas.openxmlformats.org/markup-compatibility/2006">
               <mc:Choice xmlns:v="urn:schemas-microsoft-com:vml" Requires="v">
-                <p:oleObj spid="_x0000_s2069" name="Macro-Enabled Worksheet" r:id="rId5" imgW="5196769" imgH="670670" progId="Excel.SheetMacroEnabled.12">
+                <p:oleObj spid="_x0000_s2075" name="Macro-Enabled Worksheet" r:id="rId5" imgW="5196769" imgH="670670" progId="Excel.SheetMacroEnabled.12">
                   <p:link updateAutomatic="1"/>
                 </p:oleObj>
               </mc:Choice>
@@ -5243,7 +5327,7 @@
           <a:graphicData uri="http://schemas.openxmlformats.org/presentationml/2006/ole">
             <mc:AlternateContent xmlns:mc="http://schemas.openxmlformats.org/markup-compatibility/2006">
               <mc:Choice xmlns:v="urn:schemas-microsoft-com:vml" Requires="v">
-                <p:oleObj spid="_x0000_s2070" name="Macro-Enabled Worksheet" r:id="rId7" imgW="5196769" imgH="274461" progId="Excel.SheetMacroEnabled.12">
+                <p:oleObj spid="_x0000_s2076" name="Macro-Enabled Worksheet" r:id="rId7" imgW="5196769" imgH="274461" progId="Excel.SheetMacroEnabled.12">
                   <p:link updateAutomatic="1"/>
                 </p:oleObj>
               </mc:Choice>
@@ -9861,7 +9945,7 @@
 </file>
 
 <file path=ppt/slides/slide2.xml><?xml version="1.0" encoding="utf-8"?>
-<p:sld xmlns:a="http://schemas.openxmlformats.org/drawingml/2006/main" xmlns:r="http://schemas.openxmlformats.org/officeDocument/2006/relationships" xmlns:p="http://schemas.openxmlformats.org/presentationml/2006/main">
+<p:sld xmlns:a="http://schemas.openxmlformats.org/drawingml/2006/main" xmlns:r="http://schemas.openxmlformats.org/officeDocument/2006/relationships" xmlns:p="http://schemas.openxmlformats.org/presentationml/2006/main" show="0">
   <p:cSld>
     <p:spTree>
       <p:nvGrpSpPr>
@@ -16644,13 +16728,13 @@
             </a:r>
             <a:r>
               <a:rPr lang="en-US" sz="2000" dirty="0" err="1">
-                <a:hlinkClick r:id="rId2"/>
+                <a:hlinkClick r:id="rId3"/>
               </a:rPr>
               <a:t>www.demix.org</a:t>
             </a:r>
             <a:r>
               <a:rPr lang="en-US" sz="2000" dirty="0">
-                <a:hlinkClick r:id="rId2"/>
+                <a:hlinkClick r:id="rId3"/>
               </a:rPr>
               <a:t>/tools</a:t>
             </a:r>
@@ -17920,7 +18004,7 @@
 </file>
 
 <file path=ppt/slides/slide5.xml><?xml version="1.0" encoding="utf-8"?>
-<p:sld xmlns:a="http://schemas.openxmlformats.org/drawingml/2006/main" xmlns:r="http://schemas.openxmlformats.org/officeDocument/2006/relationships" xmlns:p="http://schemas.openxmlformats.org/presentationml/2006/main">
+<p:sld xmlns:a="http://schemas.openxmlformats.org/drawingml/2006/main" xmlns:r="http://schemas.openxmlformats.org/officeDocument/2006/relationships" xmlns:p="http://schemas.openxmlformats.org/presentationml/2006/main" show="0">
   <p:cSld>
     <p:spTree>
       <p:nvGrpSpPr>
@@ -18819,7 +18903,7 @@
           <a:p>
             <a:r>
               <a:rPr lang="en-ZA" sz="1800" dirty="0"/>
-              <a:t>It is a requirement of the CMMI Method Definition Document V2.0 that the presenter reads the findings verbatim.</a:t>
+              <a:t>It is recommended that the presenter reads the findings verbatim.</a:t>
             </a:r>
             <a:br>
               <a:rPr lang="en-ZA" sz="1800" dirty="0"/>
@@ -20283,12 +20367,6 @@
 </file>
 
 <file path=customXml/item1.xml><?xml version="1.0" encoding="utf-8"?>
-<p:properties xmlns:p="http://schemas.microsoft.com/office/2006/metadata/properties" xmlns:xsi="http://www.w3.org/2001/XMLSchema-instance" xmlns:pc="http://schemas.microsoft.com/office/infopath/2007/PartnerControls">
-  <documentManagement/>
-</p:properties>
-</file>
-
-<file path=customXml/item2.xml><?xml version="1.0" encoding="utf-8"?>
 <ct:contentTypeSchema xmlns:ct="http://schemas.microsoft.com/office/2006/metadata/contentType" xmlns:ma="http://schemas.microsoft.com/office/2006/metadata/properties/metaAttributes" ct:_="" ma:_="" ma:contentTypeName="Document" ma:contentTypeID="0x0101001F513751AC33344AB32CFD2920EFE649" ma:contentTypeVersion="11" ma:contentTypeDescription="Create a new document." ma:contentTypeScope="" ma:versionID="683516f7d70434a0e4dbd6c476be8d5b">
   <xsd:schema xmlns:xsd="http://www.w3.org/2001/XMLSchema" xmlns:xs="http://www.w3.org/2001/XMLSchema" xmlns:p="http://schemas.microsoft.com/office/2006/metadata/properties" xmlns:ns2="72e3a154-4955-46c3-9573-e9dec3e1f195" xmlns:ns3="ec500478-62e0-46fc-87f1-cfa988e486b4" targetNamespace="http://schemas.microsoft.com/office/2006/metadata/properties" ma:root="true" ma:fieldsID="cf4a15c6a1eec5dbba94230cc6a50510" ns2:_="" ns3:_="">
     <xsd:import namespace="72e3a154-4955-46c3-9573-e9dec3e1f195"/>
@@ -20499,6 +20577,12 @@
 </ct:contentTypeSchema>
 </file>
 
+<file path=customXml/item2.xml><?xml version="1.0" encoding="utf-8"?>
+<p:properties xmlns:p="http://schemas.microsoft.com/office/2006/metadata/properties" xmlns:xsi="http://www.w3.org/2001/XMLSchema-instance" xmlns:pc="http://schemas.microsoft.com/office/infopath/2007/PartnerControls">
+  <documentManagement/>
+</p:properties>
+</file>
+
 <file path=customXml/item3.xml><?xml version="1.0" encoding="utf-8"?>
 <?mso-contentType ?>
 <FormTemplates xmlns="http://schemas.microsoft.com/sharepoint/v3/contenttype/forms">
@@ -20509,23 +20593,6 @@
 </file>
 
 <file path=customXml/itemProps1.xml><?xml version="1.0" encoding="utf-8"?>
-<ds:datastoreItem xmlns:ds="http://schemas.openxmlformats.org/officeDocument/2006/customXml" ds:itemID="{5F07B0D7-F930-4230-933E-ABA84959494E}">
-  <ds:schemaRefs>
-    <ds:schemaRef ds:uri="http://purl.org/dc/elements/1.1/"/>
-    <ds:schemaRef ds:uri="http://www.w3.org/XML/1998/namespace"/>
-    <ds:schemaRef ds:uri="http://schemas.openxmlformats.org/package/2006/metadata/core-properties"/>
-    <ds:schemaRef ds:uri="72e3a154-4955-46c3-9573-e9dec3e1f195"/>
-    <ds:schemaRef ds:uri="http://schemas.microsoft.com/office/2006/metadata/properties"/>
-    <ds:schemaRef ds:uri="http://schemas.microsoft.com/office/infopath/2007/PartnerControls"/>
-    <ds:schemaRef ds:uri="http://schemas.microsoft.com/office/2006/documentManagement/types"/>
-    <ds:schemaRef ds:uri="ec500478-62e0-46fc-87f1-cfa988e486b4"/>
-    <ds:schemaRef ds:uri="http://purl.org/dc/dcmitype/"/>
-    <ds:schemaRef ds:uri="http://purl.org/dc/terms/"/>
-  </ds:schemaRefs>
-</ds:datastoreItem>
-</file>
-
-<file path=customXml/itemProps2.xml><?xml version="1.0" encoding="utf-8"?>
 <ds:datastoreItem xmlns:ds="http://schemas.openxmlformats.org/officeDocument/2006/customXml" ds:itemID="{AD6DDA88-99C8-47A0-BFFC-3F4677CE5092}">
   <ds:schemaRefs>
     <ds:schemaRef ds:uri="http://schemas.microsoft.com/office/2006/metadata/contentType"/>
@@ -20544,6 +20611,23 @@
 </ds:datastoreItem>
 </file>
 
+<file path=customXml/itemProps2.xml><?xml version="1.0" encoding="utf-8"?>
+<ds:datastoreItem xmlns:ds="http://schemas.openxmlformats.org/officeDocument/2006/customXml" ds:itemID="{5F07B0D7-F930-4230-933E-ABA84959494E}">
+  <ds:schemaRefs>
+    <ds:schemaRef ds:uri="http://purl.org/dc/elements/1.1/"/>
+    <ds:schemaRef ds:uri="http://www.w3.org/XML/1998/namespace"/>
+    <ds:schemaRef ds:uri="http://schemas.openxmlformats.org/package/2006/metadata/core-properties"/>
+    <ds:schemaRef ds:uri="72e3a154-4955-46c3-9573-e9dec3e1f195"/>
+    <ds:schemaRef ds:uri="http://schemas.microsoft.com/office/2006/metadata/properties"/>
+    <ds:schemaRef ds:uri="http://schemas.microsoft.com/office/infopath/2007/PartnerControls"/>
+    <ds:schemaRef ds:uri="http://schemas.microsoft.com/office/2006/documentManagement/types"/>
+    <ds:schemaRef ds:uri="ec500478-62e0-46fc-87f1-cfa988e486b4"/>
+    <ds:schemaRef ds:uri="http://purl.org/dc/dcmitype/"/>
+    <ds:schemaRef ds:uri="http://purl.org/dc/terms/"/>
+  </ds:schemaRefs>
+</ds:datastoreItem>
+</file>
+
 <file path=customXml/itemProps3.xml><?xml version="1.0" encoding="utf-8"?>
 <ds:datastoreItem xmlns:ds="http://schemas.openxmlformats.org/officeDocument/2006/customXml" ds:itemID="{B8B49826-D5EE-4D24-B649-7C3A19B527D2}">
   <ds:schemaRefs>
